--- a/scenario2/recording/T101389-Scenario2-v20210921.pptx
+++ b/scenario2/recording/T101389-Scenario2-v20210921.pptx
@@ -3624,7 +3624,7 @@
           <a:p>
             <a:r>
               <a:rPr lang="en-US" b="1" dirty="0"/>
-              <a:t>Scenario 2: Catalog Multi-dimensional Dataset</a:t>
+              <a:t>Scenario 2: Import Metadata to Enrich Catalog</a:t>
             </a:r>
           </a:p>
         </p:txBody>

--- a/scenario2/recording/T101389-Scenario2-v20210921.pptx
+++ b/scenario2/recording/T101389-Scenario2-v20210921.pptx
@@ -13,14 +13,13 @@
     <p:sldId id="276" r:id="rId7"/>
     <p:sldId id="264" r:id="rId8"/>
     <p:sldId id="262" r:id="rId9"/>
-    <p:sldId id="277" r:id="rId10"/>
-    <p:sldId id="268" r:id="rId11"/>
-    <p:sldId id="269" r:id="rId12"/>
-    <p:sldId id="266" r:id="rId13"/>
-    <p:sldId id="278" r:id="rId14"/>
-    <p:sldId id="275" r:id="rId15"/>
-    <p:sldId id="274" r:id="rId16"/>
-    <p:sldId id="271" r:id="rId17"/>
+    <p:sldId id="268" r:id="rId10"/>
+    <p:sldId id="269" r:id="rId11"/>
+    <p:sldId id="266" r:id="rId12"/>
+    <p:sldId id="278" r:id="rId13"/>
+    <p:sldId id="275" r:id="rId14"/>
+    <p:sldId id="274" r:id="rId15"/>
+    <p:sldId id="271" r:id="rId16"/>
   </p:sldIdLst>
   <p:sldSz cx="12192000" cy="6858000"/>
   <p:notesSz cx="6858000" cy="9144000"/>
@@ -3696,7 +3695,7 @@
                 </a:solidFill>
                 <a:latin typeface="-apple-system"/>
               </a:rPr>
-              <a:t>Custom-tag the Selected Data to create a New Dataset “T101389-s2”</a:t>
+              <a:t>Custom-tag the Selected Data to create a New Dataset “T101389-s2”: Result</a:t>
             </a:r>
             <a:endParaRPr lang="en-US" sz="1400" dirty="0">
               <a:solidFill>
@@ -3706,12 +3705,42 @@
           </a:p>
         </p:txBody>
       </p:sp>
-      <p:sp>
-        <p:nvSpPr>
-          <p:cNvPr id="7" name="Arrow: Right 6">
-            <a:extLst>
-              <a:ext uri="{FF2B5EF4-FFF2-40B4-BE49-F238E27FC236}">
-                <a16:creationId xmlns:a16="http://schemas.microsoft.com/office/drawing/2014/main" id="{0F7A06A6-F10B-4F98-BD01-89872AFB3F74}"/>
+      <p:pic>
+        <p:nvPicPr>
+          <p:cNvPr id="10" name="Picture 9">
+            <a:extLst>
+              <a:ext uri="{FF2B5EF4-FFF2-40B4-BE49-F238E27FC236}">
+                <a16:creationId xmlns:a16="http://schemas.microsoft.com/office/drawing/2014/main" id="{72A4EF9A-B91D-4369-9FCC-18E3B4DF0827}"/>
+              </a:ext>
+            </a:extLst>
+          </p:cNvPr>
+          <p:cNvPicPr>
+            <a:picLocks noChangeAspect="1"/>
+          </p:cNvPicPr>
+          <p:nvPr/>
+        </p:nvPicPr>
+        <p:blipFill>
+          <a:blip r:embed="rId2"/>
+          <a:stretch>
+            <a:fillRect/>
+          </a:stretch>
+        </p:blipFill>
+        <p:spPr>
+          <a:xfrm>
+            <a:off x="0" y="575553"/>
+            <a:ext cx="12192000" cy="5706893"/>
+          </a:xfrm>
+          <a:prstGeom prst="rect">
+            <a:avLst/>
+          </a:prstGeom>
+        </p:spPr>
+      </p:pic>
+      <p:sp>
+        <p:nvSpPr>
+          <p:cNvPr id="11" name="Rectangle 10">
+            <a:extLst>
+              <a:ext uri="{FF2B5EF4-FFF2-40B4-BE49-F238E27FC236}">
+                <a16:creationId xmlns:a16="http://schemas.microsoft.com/office/drawing/2014/main" id="{45D7AA01-14FE-4E20-858A-CC14B63C0680}"/>
               </a:ext>
             </a:extLst>
           </p:cNvPr>
@@ -3720,17 +3749,17 @@
         </p:nvSpPr>
         <p:spPr>
           <a:xfrm>
-            <a:off x="5431500" y="3274549"/>
-            <a:ext cx="374073" cy="290946"/>
-          </a:xfrm>
-          <a:prstGeom prst="rightArrow">
+            <a:off x="7925148" y="1297996"/>
+            <a:ext cx="885477" cy="3921703"/>
+          </a:xfrm>
+          <a:prstGeom prst="rect">
             <a:avLst/>
           </a:prstGeom>
-          <a:solidFill>
-            <a:srgbClr val="FF0000"/>
-          </a:solidFill>
-          <a:ln>
-            <a:noFill/>
+          <a:noFill/>
+          <a:ln w="38100">
+            <a:solidFill>
+              <a:srgbClr val="FF0000"/>
+            </a:solidFill>
           </a:ln>
         </p:spPr>
         <p:style>
@@ -3758,40 +3787,10 @@
           </a:p>
         </p:txBody>
       </p:sp>
-      <p:pic>
-        <p:nvPicPr>
-          <p:cNvPr id="4" name="Picture 3">
-            <a:extLst>
-              <a:ext uri="{FF2B5EF4-FFF2-40B4-BE49-F238E27FC236}">
-                <a16:creationId xmlns:a16="http://schemas.microsoft.com/office/drawing/2014/main" id="{8AB51806-70C9-40AA-A8F9-44483A07DDBC}"/>
-              </a:ext>
-            </a:extLst>
-          </p:cNvPr>
-          <p:cNvPicPr>
-            <a:picLocks noChangeAspect="1"/>
-          </p:cNvPicPr>
-          <p:nvPr/>
-        </p:nvPicPr>
-        <p:blipFill>
-          <a:blip r:embed="rId2"/>
-          <a:stretch>
-            <a:fillRect/>
-          </a:stretch>
-        </p:blipFill>
-        <p:spPr>
-          <a:xfrm>
-            <a:off x="0" y="591079"/>
-            <a:ext cx="12192000" cy="5675841"/>
-          </a:xfrm>
-          <a:prstGeom prst="rect">
-            <a:avLst/>
-          </a:prstGeom>
-        </p:spPr>
-      </p:pic>
     </p:spTree>
     <p:extLst>
       <p:ext uri="{BB962C8B-B14F-4D97-AF65-F5344CB8AC3E}">
-        <p14:creationId xmlns:p14="http://schemas.microsoft.com/office/powerpoint/2010/main" val="1755812507"/>
+        <p14:creationId xmlns:p14="http://schemas.microsoft.com/office/powerpoint/2010/main" val="4032223569"/>
       </p:ext>
     </p:extLst>
   </p:cSld>
@@ -3818,59 +3817,12 @@
           <a:chExt cx="0" cy="0"/>
         </a:xfrm>
       </p:grpSpPr>
-      <p:sp>
-        <p:nvSpPr>
-          <p:cNvPr id="6" name="TextBox 5">
-            <a:extLst>
-              <a:ext uri="{FF2B5EF4-FFF2-40B4-BE49-F238E27FC236}">
-                <a16:creationId xmlns:a16="http://schemas.microsoft.com/office/drawing/2014/main" id="{47D66788-1B9A-4FDB-A37F-F4C3D8099C7E}"/>
-              </a:ext>
-            </a:extLst>
-          </p:cNvPr>
-          <p:cNvSpPr txBox="1"/>
-          <p:nvPr/>
-        </p:nvSpPr>
-        <p:spPr>
-          <a:xfrm>
-            <a:off x="0" y="-12367"/>
-            <a:ext cx="12192000" cy="307777"/>
-          </a:xfrm>
-          <a:prstGeom prst="rect">
-            <a:avLst/>
-          </a:prstGeom>
-          <a:solidFill>
-            <a:schemeClr val="tx1"/>
-          </a:solidFill>
-        </p:spPr>
-        <p:txBody>
-          <a:bodyPr wrap="square">
-            <a:spAutoFit/>
-          </a:bodyPr>
-          <a:lstStyle/>
-          <a:p>
-            <a:r>
-              <a:rPr lang="en-US" sz="1400" b="1" dirty="0">
-                <a:solidFill>
-                  <a:schemeClr val="bg1"/>
-                </a:solidFill>
-                <a:latin typeface="-apple-system"/>
-              </a:rPr>
-              <a:t>Custom-tag the Selected Data to create a New Dataset “T101389-s2”: Result</a:t>
-            </a:r>
-            <a:endParaRPr lang="en-US" sz="1400" dirty="0">
-              <a:solidFill>
-                <a:schemeClr val="bg1"/>
-              </a:solidFill>
-            </a:endParaRPr>
-          </a:p>
-        </p:txBody>
-      </p:sp>
       <p:pic>
         <p:nvPicPr>
-          <p:cNvPr id="10" name="Picture 9">
-            <a:extLst>
-              <a:ext uri="{FF2B5EF4-FFF2-40B4-BE49-F238E27FC236}">
-                <a16:creationId xmlns:a16="http://schemas.microsoft.com/office/drawing/2014/main" id="{72A4EF9A-B91D-4369-9FCC-18E3B4DF0827}"/>
+          <p:cNvPr id="4" name="Picture 3">
+            <a:extLst>
+              <a:ext uri="{FF2B5EF4-FFF2-40B4-BE49-F238E27FC236}">
+                <a16:creationId xmlns:a16="http://schemas.microsoft.com/office/drawing/2014/main" id="{AA79CA7C-08E0-4A8D-952F-0FA21CABAB98}"/>
               </a:ext>
             </a:extLst>
           </p:cNvPr>
@@ -3887,8 +3839,8 @@
         </p:blipFill>
         <p:spPr>
           <a:xfrm>
-            <a:off x="0" y="575553"/>
-            <a:ext cx="12192000" cy="5706893"/>
+            <a:off x="532013" y="1318447"/>
+            <a:ext cx="11246294" cy="4596578"/>
           </a:xfrm>
           <a:prstGeom prst="rect">
             <a:avLst/>
@@ -3897,29 +3849,76 @@
       </p:pic>
       <p:sp>
         <p:nvSpPr>
-          <p:cNvPr id="11" name="Rectangle 10">
-            <a:extLst>
-              <a:ext uri="{FF2B5EF4-FFF2-40B4-BE49-F238E27FC236}">
-                <a16:creationId xmlns:a16="http://schemas.microsoft.com/office/drawing/2014/main" id="{45D7AA01-14FE-4E20-858A-CC14B63C0680}"/>
-              </a:ext>
-            </a:extLst>
-          </p:cNvPr>
-          <p:cNvSpPr/>
+          <p:cNvPr id="6" name="TextBox 5">
+            <a:extLst>
+              <a:ext uri="{FF2B5EF4-FFF2-40B4-BE49-F238E27FC236}">
+                <a16:creationId xmlns:a16="http://schemas.microsoft.com/office/drawing/2014/main" id="{EBB52298-5DC8-495B-A05C-C8E6A6AE32DD}"/>
+              </a:ext>
+            </a:extLst>
+          </p:cNvPr>
+          <p:cNvSpPr txBox="1"/>
           <p:nvPr/>
         </p:nvSpPr>
         <p:spPr>
           <a:xfrm>
-            <a:off x="7925148" y="1297996"/>
-            <a:ext cx="885477" cy="3921703"/>
+            <a:off x="0" y="-12367"/>
+            <a:ext cx="12192000" cy="307777"/>
           </a:xfrm>
           <a:prstGeom prst="rect">
             <a:avLst/>
           </a:prstGeom>
-          <a:noFill/>
-          <a:ln w="38100">
-            <a:solidFill>
-              <a:srgbClr val="FF0000"/>
-            </a:solidFill>
+          <a:solidFill>
+            <a:schemeClr val="tx1"/>
+          </a:solidFill>
+        </p:spPr>
+        <p:txBody>
+          <a:bodyPr wrap="square">
+            <a:spAutoFit/>
+          </a:bodyPr>
+          <a:lstStyle/>
+          <a:p>
+            <a:r>
+              <a:rPr lang="en-US" sz="1400" b="1" dirty="0">
+                <a:solidFill>
+                  <a:schemeClr val="bg1"/>
+                </a:solidFill>
+                <a:latin typeface="-apple-system"/>
+              </a:rPr>
+              <a:t>Find the Newly Tagged Dataset with Visual Query</a:t>
+            </a:r>
+            <a:endParaRPr lang="en-US" sz="1400" dirty="0">
+              <a:solidFill>
+                <a:schemeClr val="bg1"/>
+              </a:solidFill>
+            </a:endParaRPr>
+          </a:p>
+        </p:txBody>
+      </p:sp>
+      <p:sp>
+        <p:nvSpPr>
+          <p:cNvPr id="7" name="Arrow: Right 6">
+            <a:extLst>
+              <a:ext uri="{FF2B5EF4-FFF2-40B4-BE49-F238E27FC236}">
+                <a16:creationId xmlns:a16="http://schemas.microsoft.com/office/drawing/2014/main" id="{507FD1C4-B2B2-4689-B881-CFE28EA42A58}"/>
+              </a:ext>
+            </a:extLst>
+          </p:cNvPr>
+          <p:cNvSpPr/>
+          <p:nvPr/>
+        </p:nvSpPr>
+        <p:spPr>
+          <a:xfrm>
+            <a:off x="3884813" y="4747622"/>
+            <a:ext cx="374073" cy="290946"/>
+          </a:xfrm>
+          <a:prstGeom prst="rightArrow">
+            <a:avLst/>
+          </a:prstGeom>
+          <a:solidFill>
+            <a:srgbClr val="FF0000"/>
+          </a:solidFill>
+          <a:ln>
+            <a:noFill/>
           </a:ln>
         </p:spPr>
         <p:style>
@@ -3950,7 +3949,7 @@
     </p:spTree>
     <p:extLst>
       <p:ext uri="{BB962C8B-B14F-4D97-AF65-F5344CB8AC3E}">
-        <p14:creationId xmlns:p14="http://schemas.microsoft.com/office/powerpoint/2010/main" val="4032223569"/>
+        <p14:creationId xmlns:p14="http://schemas.microsoft.com/office/powerpoint/2010/main" val="3147731059"/>
       </p:ext>
     </p:extLst>
   </p:cSld>
@@ -3979,10 +3978,10 @@
       </p:grpSpPr>
       <p:pic>
         <p:nvPicPr>
-          <p:cNvPr id="4" name="Picture 3">
-            <a:extLst>
-              <a:ext uri="{FF2B5EF4-FFF2-40B4-BE49-F238E27FC236}">
-                <a16:creationId xmlns:a16="http://schemas.microsoft.com/office/drawing/2014/main" id="{AA79CA7C-08E0-4A8D-952F-0FA21CABAB98}"/>
+          <p:cNvPr id="3" name="Picture 2">
+            <a:extLst>
+              <a:ext uri="{FF2B5EF4-FFF2-40B4-BE49-F238E27FC236}">
+                <a16:creationId xmlns:a16="http://schemas.microsoft.com/office/drawing/2014/main" id="{BD2D45AE-02F9-4903-8D2B-76138E35A458}"/>
               </a:ext>
             </a:extLst>
           </p:cNvPr>
@@ -3999,8 +3998,8 @@
         </p:blipFill>
         <p:spPr>
           <a:xfrm>
-            <a:off x="532013" y="1318447"/>
-            <a:ext cx="11246294" cy="4596578"/>
+            <a:off x="0" y="788891"/>
+            <a:ext cx="12192000" cy="5280217"/>
           </a:xfrm>
           <a:prstGeom prst="rect">
             <a:avLst/>
@@ -4044,7 +4043,7 @@
                 </a:solidFill>
                 <a:latin typeface="-apple-system"/>
               </a:rPr>
-              <a:t>Find the Newly Tagged Dataset with Visual Query</a:t>
+              <a:t>Find the Newly Tagged Dataset with Visual Query using new Tag “u2-type”</a:t>
             </a:r>
             <a:endParaRPr lang="en-US" sz="1400" dirty="0">
               <a:solidFill>
@@ -4068,7 +4067,7 @@
         </p:nvSpPr>
         <p:spPr>
           <a:xfrm>
-            <a:off x="3884813" y="4747622"/>
+            <a:off x="3827663" y="2099672"/>
             <a:ext cx="374073" cy="290946"/>
           </a:xfrm>
           <a:prstGeom prst="rightArrow">
@@ -4109,7 +4108,7 @@
     </p:spTree>
     <p:extLst>
       <p:ext uri="{BB962C8B-B14F-4D97-AF65-F5344CB8AC3E}">
-        <p14:creationId xmlns:p14="http://schemas.microsoft.com/office/powerpoint/2010/main" val="3147731059"/>
+        <p14:creationId xmlns:p14="http://schemas.microsoft.com/office/powerpoint/2010/main" val="189524473"/>
       </p:ext>
     </p:extLst>
   </p:cSld>
@@ -4141,7 +4140,7 @@
           <p:cNvPr id="3" name="Picture 2">
             <a:extLst>
               <a:ext uri="{FF2B5EF4-FFF2-40B4-BE49-F238E27FC236}">
-                <a16:creationId xmlns:a16="http://schemas.microsoft.com/office/drawing/2014/main" id="{BD2D45AE-02F9-4903-8D2B-76138E35A458}"/>
+                <a16:creationId xmlns:a16="http://schemas.microsoft.com/office/drawing/2014/main" id="{FFCA62A1-C4FB-4C25-A71C-5499FCF7FF48}"/>
               </a:ext>
             </a:extLst>
           </p:cNvPr>
@@ -4158,8 +4157,8 @@
         </p:blipFill>
         <p:spPr>
           <a:xfrm>
-            <a:off x="0" y="788891"/>
-            <a:ext cx="12192000" cy="5280217"/>
+            <a:off x="2003171" y="835222"/>
+            <a:ext cx="6841332" cy="5267741"/>
           </a:xfrm>
           <a:prstGeom prst="rect">
             <a:avLst/>
@@ -4203,7 +4202,7 @@
                 </a:solidFill>
                 <a:latin typeface="-apple-system"/>
               </a:rPr>
-              <a:t>Find the Newly Tagged Dataset with Visual Query using new Tag “u2-type”</a:t>
+              <a:t>Find the Paring Data (raw-annotated) based on newly-crated file ID “u2-id”</a:t>
             </a:r>
             <a:endParaRPr lang="en-US" sz="1400" dirty="0">
               <a:solidFill>
@@ -4227,7 +4226,7 @@
         </p:nvSpPr>
         <p:spPr>
           <a:xfrm>
-            <a:off x="3827663" y="2099672"/>
+            <a:off x="2989463" y="2347322"/>
             <a:ext cx="374073" cy="290946"/>
           </a:xfrm>
           <a:prstGeom prst="rightArrow">
@@ -4268,7 +4267,7 @@
     </p:spTree>
     <p:extLst>
       <p:ext uri="{BB962C8B-B14F-4D97-AF65-F5344CB8AC3E}">
-        <p14:creationId xmlns:p14="http://schemas.microsoft.com/office/powerpoint/2010/main" val="189524473"/>
+        <p14:creationId xmlns:p14="http://schemas.microsoft.com/office/powerpoint/2010/main" val="2054970242"/>
       </p:ext>
     </p:extLst>
   </p:cSld>
@@ -4297,165 +4296,6 @@
       </p:grpSpPr>
       <p:pic>
         <p:nvPicPr>
-          <p:cNvPr id="3" name="Picture 2">
-            <a:extLst>
-              <a:ext uri="{FF2B5EF4-FFF2-40B4-BE49-F238E27FC236}">
-                <a16:creationId xmlns:a16="http://schemas.microsoft.com/office/drawing/2014/main" id="{FFCA62A1-C4FB-4C25-A71C-5499FCF7FF48}"/>
-              </a:ext>
-            </a:extLst>
-          </p:cNvPr>
-          <p:cNvPicPr>
-            <a:picLocks noChangeAspect="1"/>
-          </p:cNvPicPr>
-          <p:nvPr/>
-        </p:nvPicPr>
-        <p:blipFill>
-          <a:blip r:embed="rId2"/>
-          <a:stretch>
-            <a:fillRect/>
-          </a:stretch>
-        </p:blipFill>
-        <p:spPr>
-          <a:xfrm>
-            <a:off x="2003171" y="835222"/>
-            <a:ext cx="6841332" cy="5267741"/>
-          </a:xfrm>
-          <a:prstGeom prst="rect">
-            <a:avLst/>
-          </a:prstGeom>
-        </p:spPr>
-      </p:pic>
-      <p:sp>
-        <p:nvSpPr>
-          <p:cNvPr id="6" name="TextBox 5">
-            <a:extLst>
-              <a:ext uri="{FF2B5EF4-FFF2-40B4-BE49-F238E27FC236}">
-                <a16:creationId xmlns:a16="http://schemas.microsoft.com/office/drawing/2014/main" id="{EBB52298-5DC8-495B-A05C-C8E6A6AE32DD}"/>
-              </a:ext>
-            </a:extLst>
-          </p:cNvPr>
-          <p:cNvSpPr txBox="1"/>
-          <p:nvPr/>
-        </p:nvSpPr>
-        <p:spPr>
-          <a:xfrm>
-            <a:off x="0" y="-12367"/>
-            <a:ext cx="12192000" cy="307777"/>
-          </a:xfrm>
-          <a:prstGeom prst="rect">
-            <a:avLst/>
-          </a:prstGeom>
-          <a:solidFill>
-            <a:schemeClr val="tx1"/>
-          </a:solidFill>
-        </p:spPr>
-        <p:txBody>
-          <a:bodyPr wrap="square">
-            <a:spAutoFit/>
-          </a:bodyPr>
-          <a:lstStyle/>
-          <a:p>
-            <a:r>
-              <a:rPr lang="en-US" sz="1400" b="1" dirty="0">
-                <a:solidFill>
-                  <a:schemeClr val="bg1"/>
-                </a:solidFill>
-                <a:latin typeface="-apple-system"/>
-              </a:rPr>
-              <a:t>Find the Paring Data (raw-annotated) based on newly-crated file ID “u2-id”</a:t>
-            </a:r>
-            <a:endParaRPr lang="en-US" sz="1400" dirty="0">
-              <a:solidFill>
-                <a:schemeClr val="bg1"/>
-              </a:solidFill>
-            </a:endParaRPr>
-          </a:p>
-        </p:txBody>
-      </p:sp>
-      <p:sp>
-        <p:nvSpPr>
-          <p:cNvPr id="7" name="Arrow: Right 6">
-            <a:extLst>
-              <a:ext uri="{FF2B5EF4-FFF2-40B4-BE49-F238E27FC236}">
-                <a16:creationId xmlns:a16="http://schemas.microsoft.com/office/drawing/2014/main" id="{507FD1C4-B2B2-4689-B881-CFE28EA42A58}"/>
-              </a:ext>
-            </a:extLst>
-          </p:cNvPr>
-          <p:cNvSpPr/>
-          <p:nvPr/>
-        </p:nvSpPr>
-        <p:spPr>
-          <a:xfrm>
-            <a:off x="2989463" y="2347322"/>
-            <a:ext cx="374073" cy="290946"/>
-          </a:xfrm>
-          <a:prstGeom prst="rightArrow">
-            <a:avLst/>
-          </a:prstGeom>
-          <a:solidFill>
-            <a:srgbClr val="FF0000"/>
-          </a:solidFill>
-          <a:ln>
-            <a:noFill/>
-          </a:ln>
-        </p:spPr>
-        <p:style>
-          <a:lnRef idx="2">
-            <a:schemeClr val="accent1">
-              <a:shade val="50000"/>
-            </a:schemeClr>
-          </a:lnRef>
-          <a:fillRef idx="1">
-            <a:schemeClr val="accent1"/>
-          </a:fillRef>
-          <a:effectRef idx="0">
-            <a:schemeClr val="accent1"/>
-          </a:effectRef>
-          <a:fontRef idx="minor">
-            <a:schemeClr val="lt1"/>
-          </a:fontRef>
-        </p:style>
-        <p:txBody>
-          <a:bodyPr rtlCol="0" anchor="ctr"/>
-          <a:lstStyle/>
-          <a:p>
-            <a:pPr algn="ctr"/>
-            <a:endParaRPr lang="en-US"/>
-          </a:p>
-        </p:txBody>
-      </p:sp>
-    </p:spTree>
-    <p:extLst>
-      <p:ext uri="{BB962C8B-B14F-4D97-AF65-F5344CB8AC3E}">
-        <p14:creationId xmlns:p14="http://schemas.microsoft.com/office/powerpoint/2010/main" val="2054970242"/>
-      </p:ext>
-    </p:extLst>
-  </p:cSld>
-  <p:clrMapOvr>
-    <a:masterClrMapping/>
-  </p:clrMapOvr>
-</p:sld>
-</file>
-
-<file path=ppt/slides/slide15.xml><?xml version="1.0" encoding="utf-8"?>
-<p:sld xmlns:a="http://schemas.openxmlformats.org/drawingml/2006/main" xmlns:r="http://schemas.openxmlformats.org/officeDocument/2006/relationships" xmlns:p="http://schemas.openxmlformats.org/presentationml/2006/main">
-  <p:cSld>
-    <p:spTree>
-      <p:nvGrpSpPr>
-        <p:cNvPr id="1" name=""/>
-        <p:cNvGrpSpPr/>
-        <p:nvPr/>
-      </p:nvGrpSpPr>
-      <p:grpSpPr>
-        <a:xfrm>
-          <a:off x="0" y="0"/>
-          <a:ext cx="0" cy="0"/>
-          <a:chOff x="0" y="0"/>
-          <a:chExt cx="0" cy="0"/>
-        </a:xfrm>
-      </p:grpSpPr>
-      <p:pic>
-        <p:nvPicPr>
           <p:cNvPr id="5" name="Picture 4">
             <a:extLst>
               <a:ext uri="{FF2B5EF4-FFF2-40B4-BE49-F238E27FC236}">
@@ -4544,7 +4384,7 @@
 </p:sld>
 </file>
 
-<file path=ppt/slides/slide16.xml><?xml version="1.0" encoding="utf-8"?>
+<file path=ppt/slides/slide15.xml><?xml version="1.0" encoding="utf-8"?>
 <p:sld xmlns:a="http://schemas.openxmlformats.org/drawingml/2006/main" xmlns:r="http://schemas.openxmlformats.org/officeDocument/2006/relationships" xmlns:p="http://schemas.openxmlformats.org/presentationml/2006/main">
   <p:cSld>
     <p:spTree>
@@ -5935,7 +5775,7 @@
           <p:cNvPr id="6" name="TextBox 5">
             <a:extLst>
               <a:ext uri="{FF2B5EF4-FFF2-40B4-BE49-F238E27FC236}">
-                <a16:creationId xmlns:a16="http://schemas.microsoft.com/office/drawing/2014/main" id="{EBB52298-5DC8-495B-A05C-C8E6A6AE32DD}"/>
+                <a16:creationId xmlns:a16="http://schemas.microsoft.com/office/drawing/2014/main" id="{47D66788-1B9A-4FDB-A37F-F4C3D8099C7E}"/>
               </a:ext>
             </a:extLst>
           </p:cNvPr>
@@ -5944,7 +5784,7 @@
         </p:nvSpPr>
         <p:spPr>
           <a:xfrm>
-            <a:off x="0" y="0"/>
+            <a:off x="0" y="-12367"/>
             <a:ext cx="12192000" cy="307777"/>
           </a:xfrm>
           <a:prstGeom prst="rect">
@@ -5961,14 +5801,13 @@
           <a:lstStyle/>
           <a:p>
             <a:r>
-              <a:rPr lang="en-US" sz="1400" b="1" i="0" dirty="0">
+              <a:rPr lang="en-US" sz="1400" b="1" dirty="0">
                 <a:solidFill>
                   <a:schemeClr val="bg1"/>
                 </a:solidFill>
-                <a:effectLst/>
                 <a:latin typeface="-apple-system"/>
               </a:rPr>
-              <a:t>Create IMPORT_TAGS Policy: Result-2 </a:t>
+              <a:t>Custom-tag the Selected Data to create a New Dataset “T101389-s2”</a:t>
             </a:r>
             <a:endParaRPr lang="en-US" sz="1400" dirty="0">
               <a:solidFill>
@@ -5980,10 +5819,10 @@
       </p:sp>
       <p:sp>
         <p:nvSpPr>
-          <p:cNvPr id="12" name="Arrow: Right 11">
-            <a:extLst>
-              <a:ext uri="{FF2B5EF4-FFF2-40B4-BE49-F238E27FC236}">
-                <a16:creationId xmlns:a16="http://schemas.microsoft.com/office/drawing/2014/main" id="{2E355B65-D980-4B9F-8E27-B5DEB9BE2403}"/>
+          <p:cNvPr id="7" name="Arrow: Right 6">
+            <a:extLst>
+              <a:ext uri="{FF2B5EF4-FFF2-40B4-BE49-F238E27FC236}">
+                <a16:creationId xmlns:a16="http://schemas.microsoft.com/office/drawing/2014/main" id="{0F7A06A6-F10B-4F98-BD01-89872AFB3F74}"/>
               </a:ext>
             </a:extLst>
           </p:cNvPr>
@@ -5991,8 +5830,8 @@
           <p:nvPr/>
         </p:nvSpPr>
         <p:spPr>
-          <a:xfrm rot="5400000">
-            <a:off x="8797636" y="955312"/>
+          <a:xfrm>
+            <a:off x="5431500" y="3274549"/>
             <a:ext cx="374073" cy="290946"/>
           </a:xfrm>
           <a:prstGeom prst="rightArrow">
@@ -6030,62 +5869,40 @@
           </a:p>
         </p:txBody>
       </p:sp>
-      <p:sp>
-        <p:nvSpPr>
-          <p:cNvPr id="13" name="Rectangle 12">
-            <a:extLst>
-              <a:ext uri="{FF2B5EF4-FFF2-40B4-BE49-F238E27FC236}">
-                <a16:creationId xmlns:a16="http://schemas.microsoft.com/office/drawing/2014/main" id="{B9E5A6A6-F3B7-4D55-82C0-E5523367DFB5}"/>
-              </a:ext>
-            </a:extLst>
-          </p:cNvPr>
-          <p:cNvSpPr/>
+      <p:pic>
+        <p:nvPicPr>
+          <p:cNvPr id="4" name="Picture 3">
+            <a:extLst>
+              <a:ext uri="{FF2B5EF4-FFF2-40B4-BE49-F238E27FC236}">
+                <a16:creationId xmlns:a16="http://schemas.microsoft.com/office/drawing/2014/main" id="{8AB51806-70C9-40AA-A8F9-44483A07DDBC}"/>
+              </a:ext>
+            </a:extLst>
+          </p:cNvPr>
+          <p:cNvPicPr>
+            <a:picLocks noChangeAspect="1"/>
+          </p:cNvPicPr>
           <p:nvPr/>
-        </p:nvSpPr>
-        <p:spPr>
-          <a:xfrm>
-            <a:off x="4219574" y="1287821"/>
-            <a:ext cx="7829551" cy="3674703"/>
+        </p:nvPicPr>
+        <p:blipFill>
+          <a:blip r:embed="rId2"/>
+          <a:stretch>
+            <a:fillRect/>
+          </a:stretch>
+        </p:blipFill>
+        <p:spPr>
+          <a:xfrm>
+            <a:off x="0" y="591079"/>
+            <a:ext cx="12192000" cy="5675841"/>
           </a:xfrm>
           <a:prstGeom prst="rect">
             <a:avLst/>
           </a:prstGeom>
-          <a:noFill/>
-          <a:ln w="38100">
-            <a:solidFill>
-              <a:srgbClr val="FF0000"/>
-            </a:solidFill>
-          </a:ln>
-        </p:spPr>
-        <p:style>
-          <a:lnRef idx="2">
-            <a:schemeClr val="accent1">
-              <a:shade val="50000"/>
-            </a:schemeClr>
-          </a:lnRef>
-          <a:fillRef idx="1">
-            <a:schemeClr val="accent1"/>
-          </a:fillRef>
-          <a:effectRef idx="0">
-            <a:schemeClr val="accent1"/>
-          </a:effectRef>
-          <a:fontRef idx="minor">
-            <a:schemeClr val="lt1"/>
-          </a:fontRef>
-        </p:style>
-        <p:txBody>
-          <a:bodyPr rtlCol="0" anchor="ctr"/>
-          <a:lstStyle/>
-          <a:p>
-            <a:pPr algn="ctr"/>
-            <a:endParaRPr lang="en-US"/>
-          </a:p>
-        </p:txBody>
-      </p:sp>
+        </p:spPr>
+      </p:pic>
     </p:spTree>
     <p:extLst>
       <p:ext uri="{BB962C8B-B14F-4D97-AF65-F5344CB8AC3E}">
-        <p14:creationId xmlns:p14="http://schemas.microsoft.com/office/powerpoint/2010/main" val="1422352952"/>
+        <p14:creationId xmlns:p14="http://schemas.microsoft.com/office/powerpoint/2010/main" val="1755812507"/>
       </p:ext>
     </p:extLst>
   </p:cSld>

--- a/scenario2/recording/T101389-Scenario2-v20210921.pptx
+++ b/scenario2/recording/T101389-Scenario2-v20210921.pptx
@@ -273,7 +273,7 @@
           <a:p>
             <a:fld id="{48FC2B21-7E56-4657-8153-3102D269B655}" type="datetimeFigureOut">
               <a:rPr lang="en-US" smtClean="0"/>
-              <a:t>9/21/2021</a:t>
+              <a:t>9/22/2021</a:t>
             </a:fld>
             <a:endParaRPr lang="en-US"/>
           </a:p>
@@ -471,7 +471,7 @@
           <a:p>
             <a:fld id="{48FC2B21-7E56-4657-8153-3102D269B655}" type="datetimeFigureOut">
               <a:rPr lang="en-US" smtClean="0"/>
-              <a:t>9/21/2021</a:t>
+              <a:t>9/22/2021</a:t>
             </a:fld>
             <a:endParaRPr lang="en-US"/>
           </a:p>
@@ -679,7 +679,7 @@
           <a:p>
             <a:fld id="{48FC2B21-7E56-4657-8153-3102D269B655}" type="datetimeFigureOut">
               <a:rPr lang="en-US" smtClean="0"/>
-              <a:t>9/21/2021</a:t>
+              <a:t>9/22/2021</a:t>
             </a:fld>
             <a:endParaRPr lang="en-US"/>
           </a:p>
@@ -877,7 +877,7 @@
           <a:p>
             <a:fld id="{48FC2B21-7E56-4657-8153-3102D269B655}" type="datetimeFigureOut">
               <a:rPr lang="en-US" smtClean="0"/>
-              <a:t>9/21/2021</a:t>
+              <a:t>9/22/2021</a:t>
             </a:fld>
             <a:endParaRPr lang="en-US"/>
           </a:p>
@@ -1152,7 +1152,7 @@
           <a:p>
             <a:fld id="{48FC2B21-7E56-4657-8153-3102D269B655}" type="datetimeFigureOut">
               <a:rPr lang="en-US" smtClean="0"/>
-              <a:t>9/21/2021</a:t>
+              <a:t>9/22/2021</a:t>
             </a:fld>
             <a:endParaRPr lang="en-US"/>
           </a:p>
@@ -1417,7 +1417,7 @@
           <a:p>
             <a:fld id="{48FC2B21-7E56-4657-8153-3102D269B655}" type="datetimeFigureOut">
               <a:rPr lang="en-US" smtClean="0"/>
-              <a:t>9/21/2021</a:t>
+              <a:t>9/22/2021</a:t>
             </a:fld>
             <a:endParaRPr lang="en-US"/>
           </a:p>
@@ -1829,7 +1829,7 @@
           <a:p>
             <a:fld id="{48FC2B21-7E56-4657-8153-3102D269B655}" type="datetimeFigureOut">
               <a:rPr lang="en-US" smtClean="0"/>
-              <a:t>9/21/2021</a:t>
+              <a:t>9/22/2021</a:t>
             </a:fld>
             <a:endParaRPr lang="en-US"/>
           </a:p>
@@ -1970,7 +1970,7 @@
           <a:p>
             <a:fld id="{48FC2B21-7E56-4657-8153-3102D269B655}" type="datetimeFigureOut">
               <a:rPr lang="en-US" smtClean="0"/>
-              <a:t>9/21/2021</a:t>
+              <a:t>9/22/2021</a:t>
             </a:fld>
             <a:endParaRPr lang="en-US"/>
           </a:p>
@@ -2083,7 +2083,7 @@
           <a:p>
             <a:fld id="{48FC2B21-7E56-4657-8153-3102D269B655}" type="datetimeFigureOut">
               <a:rPr lang="en-US" smtClean="0"/>
-              <a:t>9/21/2021</a:t>
+              <a:t>9/22/2021</a:t>
             </a:fld>
             <a:endParaRPr lang="en-US"/>
           </a:p>
@@ -2394,7 +2394,7 @@
           <a:p>
             <a:fld id="{48FC2B21-7E56-4657-8153-3102D269B655}" type="datetimeFigureOut">
               <a:rPr lang="en-US" smtClean="0"/>
-              <a:t>9/21/2021</a:t>
+              <a:t>9/22/2021</a:t>
             </a:fld>
             <a:endParaRPr lang="en-US"/>
           </a:p>
@@ -2682,7 +2682,7 @@
           <a:p>
             <a:fld id="{48FC2B21-7E56-4657-8153-3102D269B655}" type="datetimeFigureOut">
               <a:rPr lang="en-US" smtClean="0"/>
-              <a:t>9/21/2021</a:t>
+              <a:t>9/22/2021</a:t>
             </a:fld>
             <a:endParaRPr lang="en-US"/>
           </a:p>
@@ -2923,7 +2923,7 @@
           <a:p>
             <a:fld id="{48FC2B21-7E56-4657-8153-3102D269B655}" type="datetimeFigureOut">
               <a:rPr lang="en-US" smtClean="0"/>
-              <a:t>9/21/2021</a:t>
+              <a:t>9/22/2021</a:t>
             </a:fld>
             <a:endParaRPr lang="en-US"/>
           </a:p>
@@ -3376,7 +3376,17 @@
                 <a:effectLst/>
                 <a:latin typeface="-apple-system"/>
               </a:rPr>
-              <a:t>Demo: Unified Data Catalog for Military Aircraft</a:t>
+              <a:t>Demo: Unified Data Catalog for </a:t>
+            </a:r>
+            <a:r>
+              <a:rPr lang="en-US" sz="4000" b="1" i="0">
+                <a:solidFill>
+                  <a:srgbClr val="24292F"/>
+                </a:solidFill>
+                <a:effectLst/>
+                <a:latin typeface="-apple-system"/>
+              </a:rPr>
+              <a:t>Aircraft Images</a:t>
             </a:r>
             <a:endParaRPr lang="en-US" sz="4000" dirty="0"/>
           </a:p>
@@ -3695,7 +3705,7 @@
                 </a:solidFill>
                 <a:latin typeface="-apple-system"/>
               </a:rPr>
-              <a:t>Custom-tag the Selected Data to create a New Dataset “T101389-s2”: Result</a:t>
+              <a:t>Dataset T101389-S2 Displayed with Query Builder</a:t>
             </a:r>
             <a:endParaRPr lang="en-US" sz="1400" dirty="0">
               <a:solidFill>
@@ -3884,7 +3894,7 @@
                 </a:solidFill>
                 <a:latin typeface="-apple-system"/>
               </a:rPr>
-              <a:t>Find the Newly Tagged Dataset with Visual Query</a:t>
+              <a:t>Browse for Dataset T101389-s2 with Visual Query</a:t>
             </a:r>
             <a:endParaRPr lang="en-US" sz="1400" dirty="0">
               <a:solidFill>
@@ -4043,7 +4053,7 @@
                 </a:solidFill>
                 <a:latin typeface="-apple-system"/>
               </a:rPr>
-              <a:t>Find the Newly Tagged Dataset with Visual Query using new Tag “u2-type”</a:t>
+              <a:t>Browse Dataset with Metadata Tag “u2-type”</a:t>
             </a:r>
             <a:endParaRPr lang="en-US" sz="1400" dirty="0">
               <a:solidFill>
@@ -4202,7 +4212,7 @@
                 </a:solidFill>
                 <a:latin typeface="-apple-system"/>
               </a:rPr>
-              <a:t>Find the Paring Data (raw-annotated) based on newly-crated file ID “u2-id”</a:t>
+              <a:t>Find the Paring Data (raw-annotated) based on Metadata Tag “u2-id”</a:t>
             </a:r>
             <a:endParaRPr lang="en-US" sz="1400" dirty="0">
               <a:solidFill>
@@ -4361,7 +4371,7 @@
                 </a:solidFill>
                 <a:latin typeface="-apple-system"/>
               </a:rPr>
-              <a:t>Find the Paring Data (raw-annotated) based on newly-crated file ID “u2-id”: result</a:t>
+              <a:t>Result of u2-id Search</a:t>
             </a:r>
             <a:endParaRPr lang="en-US" sz="1400" dirty="0">
               <a:solidFill>
@@ -4487,8 +4497,8 @@
         </p:nvSpPr>
         <p:spPr>
           <a:xfrm>
-            <a:off x="2358737" y="6195912"/>
-            <a:ext cx="8019877" cy="369332"/>
+            <a:off x="4832206" y="6186387"/>
+            <a:ext cx="2527588" cy="369332"/>
           </a:xfrm>
           <a:prstGeom prst="rect">
             <a:avLst/>
@@ -4503,7 +4513,7 @@
           <a:p>
             <a:r>
               <a:rPr lang="en-US" dirty="0"/>
-              <a:t>u2-id = T101389-10005:  filename = 00c54e200e0d868faac8c55bfca70dbe.jpg</a:t>
+              <a:t>u2-id = T101389-10005</a:t>
             </a:r>
           </a:p>
         </p:txBody>
@@ -4685,6 +4695,53 @@
               <a:t>647, 768</a:t>
             </a:r>
             <a:endParaRPr lang="en-US" sz="1200" dirty="0"/>
+          </a:p>
+        </p:txBody>
+      </p:sp>
+      <p:sp>
+        <p:nvSpPr>
+          <p:cNvPr id="10" name="TextBox 9">
+            <a:extLst>
+              <a:ext uri="{FF2B5EF4-FFF2-40B4-BE49-F238E27FC236}">
+                <a16:creationId xmlns:a16="http://schemas.microsoft.com/office/drawing/2014/main" id="{702804A4-63A7-477E-9CAA-75836ECFF8F6}"/>
+              </a:ext>
+            </a:extLst>
+          </p:cNvPr>
+          <p:cNvSpPr txBox="1"/>
+          <p:nvPr/>
+        </p:nvSpPr>
+        <p:spPr>
+          <a:xfrm>
+            <a:off x="0" y="-12367"/>
+            <a:ext cx="12192000" cy="307777"/>
+          </a:xfrm>
+          <a:prstGeom prst="rect">
+            <a:avLst/>
+          </a:prstGeom>
+          <a:solidFill>
+            <a:schemeClr val="tx1"/>
+          </a:solidFill>
+        </p:spPr>
+        <p:txBody>
+          <a:bodyPr wrap="square">
+            <a:spAutoFit/>
+          </a:bodyPr>
+          <a:lstStyle/>
+          <a:p>
+            <a:r>
+              <a:rPr lang="en-US" sz="1400" b="1" dirty="0">
+                <a:solidFill>
+                  <a:schemeClr val="bg1"/>
+                </a:solidFill>
+                <a:latin typeface="-apple-system"/>
+              </a:rPr>
+              <a:t>Two Images Shown Next to Each Other</a:t>
+            </a:r>
+            <a:endParaRPr lang="en-US" sz="1400" dirty="0">
+              <a:solidFill>
+                <a:schemeClr val="bg1"/>
+              </a:solidFill>
+            </a:endParaRPr>
           </a:p>
         </p:txBody>
       </p:sp>
@@ -5110,7 +5167,7 @@
                 <a:effectLst/>
                 <a:latin typeface="-apple-system"/>
               </a:rPr>
-              <a:t>Create IMPORT_TAGS Policy: Policy Created </a:t>
+              <a:t>New IMPORT_TAGS Policy Created in Web Console</a:t>
             </a:r>
             <a:endParaRPr lang="en-US" sz="1400" dirty="0">
               <a:solidFill>
@@ -5270,7 +5327,7 @@
                 <a:effectLst/>
                 <a:latin typeface="-apple-system"/>
               </a:rPr>
-              <a:t>Create IMPORT_TAGS Policy: Initial Scan by Policy Completed</a:t>
+              <a:t>New Policy Executed for the First Time Automatically</a:t>
             </a:r>
             <a:endParaRPr lang="en-US" sz="1400" dirty="0">
               <a:solidFill>
@@ -5429,7 +5486,7 @@
                 </a:solidFill>
                 <a:latin typeface="-apple-system"/>
               </a:rPr>
-              <a:t>Find the Newly Tagged Dataset: Method-1 using SQL Query</a:t>
+              <a:t>Find the Dataset using SQL Query</a:t>
             </a:r>
             <a:endParaRPr lang="en-US" sz="1400" dirty="0">
               <a:solidFill>
@@ -5626,7 +5683,26 @@
                 <a:effectLst/>
                 <a:latin typeface="-apple-system"/>
               </a:rPr>
-              <a:t>Create IMPORT_TAGS Policy: Result-1 </a:t>
+              <a:t>New Sets of Metadata Tags Populated </a:t>
+            </a:r>
+            <a:r>
+              <a:rPr lang="en-US" sz="1400" b="1" dirty="0">
+                <a:solidFill>
+                  <a:schemeClr val="bg1"/>
+                </a:solidFill>
+                <a:latin typeface="-apple-system"/>
+              </a:rPr>
+              <a:t>with Values from Manifest </a:t>
+            </a:r>
+            <a:r>
+              <a:rPr lang="en-US" sz="1400" b="1" i="0" dirty="0">
+                <a:solidFill>
+                  <a:schemeClr val="bg1"/>
+                </a:solidFill>
+                <a:effectLst/>
+                <a:latin typeface="-apple-system"/>
+              </a:rPr>
+              <a:t>by IMPORT_TAGS Policy</a:t>
             </a:r>
             <a:endParaRPr lang="en-US" sz="1400" dirty="0">
               <a:solidFill>
@@ -5807,7 +5883,7 @@
                 </a:solidFill>
                 <a:latin typeface="-apple-system"/>
               </a:rPr>
-              <a:t>Custom-tag the Selected Data to create a New Dataset “T101389-s2”</a:t>
+              <a:t>Custom-tag Updated Dataset as “T101389-s2”</a:t>
             </a:r>
             <a:endParaRPr lang="en-US" sz="1400" dirty="0">
               <a:solidFill>
